--- a/Assignment_2.pptx
+++ b/Assignment_2.pptx
@@ -237,7 +237,7 @@
             <a:pPr rtl="0"/>
             <a:fld id="{B300E704-4367-44E8-9590-2A22431AB6DD}" type="datetime1">
               <a:rPr lang="it-IT" smtClean="0"/>
-              <a:t>13/05/2025</a:t>
+              <a:t>14/05/2025</a:t>
             </a:fld>
             <a:endParaRPr lang="it-IT" dirty="0"/>
           </a:p>
@@ -419,7 +419,7 @@
             <a:pPr rtl="0"/>
             <a:fld id="{17F87BE5-2980-4625-A178-ED4EDB0DF570}" type="datetime1">
               <a:rPr lang="it-IT" smtClean="0"/>
-              <a:t>13/05/2025</a:t>
+              <a:t>14/05/2025</a:t>
             </a:fld>
             <a:endParaRPr lang="it-IT" dirty="0"/>
           </a:p>
@@ -7990,10 +7990,10 @@
       </p:sp>
       <p:pic>
         <p:nvPicPr>
-          <p:cNvPr id="6" name="Immagine 5" descr="Immagine che contiene Viso umano, schermata, testo, persona&#10;&#10;Il contenuto generato dall'IA potrebbe non essere corretto.">
-            <a:extLst>
-              <a:ext uri="{FF2B5EF4-FFF2-40B4-BE49-F238E27FC236}">
-                <a16:creationId xmlns:a16="http://schemas.microsoft.com/office/drawing/2014/main" id="{FAFCD8FC-2B70-9AA3-2983-D2678E50C4DF}"/>
+          <p:cNvPr id="5" name="Immagine 4" descr="Immagine che contiene testo, Viso umano, schermata, persona&#10;&#10;Il contenuto generato dall'IA potrebbe non essere corretto.">
+            <a:extLst>
+              <a:ext uri="{FF2B5EF4-FFF2-40B4-BE49-F238E27FC236}">
+                <a16:creationId xmlns:a16="http://schemas.microsoft.com/office/drawing/2014/main" id="{45A88D5C-AA0C-AF5F-D2D4-9E6AE04177A0}"/>
               </a:ext>
             </a:extLst>
           </p:cNvPr>
@@ -8004,13 +8004,14 @@
         </p:nvPicPr>
         <p:blipFill>
           <a:blip r:embed="rId3"/>
-          <a:srcRect t="6769"/>
-          <a:stretch/>
+          <a:stretch>
+            <a:fillRect/>
+          </a:stretch>
         </p:blipFill>
         <p:spPr>
           <a:xfrm>
-            <a:off x="2396785" y="3560893"/>
-            <a:ext cx="7398430" cy="2652931"/>
+            <a:off x="3021057" y="3558163"/>
+            <a:ext cx="6704286" cy="2578571"/>
           </a:xfrm>
           <a:prstGeom prst="rect">
             <a:avLst/>
@@ -8137,7 +8138,7 @@
           <p:nvPr>
             <p:extLst>
               <p:ext uri="{D42A27DB-BD31-4B8C-83A1-F6EECF244321}">
-                <p14:modId xmlns:p14="http://schemas.microsoft.com/office/powerpoint/2010/main" val="236616609"/>
+                <p14:modId xmlns:p14="http://schemas.microsoft.com/office/powerpoint/2010/main" val="114014556"/>
               </p:ext>
             </p:extLst>
           </p:nvPr>
@@ -8401,7 +8402,7 @@
                             <a:schemeClr val="tx1"/>
                           </a:solidFill>
                         </a:rPr>
-                        <a:t>98.81%</a:t>
+                        <a:t>98.97%</a:t>
                       </a:r>
                     </a:p>
                   </a:txBody>
@@ -8435,7 +8436,7 @@
                             <a:schemeClr val="tx1"/>
                           </a:solidFill>
                         </a:rPr>
-                        <a:t>98.94%</a:t>
+                        <a:t>99.12%</a:t>
                       </a:r>
                     </a:p>
                   </a:txBody>
@@ -8469,7 +8470,7 @@
                             <a:schemeClr val="tx1"/>
                           </a:solidFill>
                         </a:rPr>
-                        <a:t>98.95%</a:t>
+                        <a:t>99.21%</a:t>
                       </a:r>
                     </a:p>
                   </a:txBody>
@@ -8602,7 +8603,7 @@
                             <a:schemeClr val="tx1"/>
                           </a:solidFill>
                         </a:rPr>
-                        <a:t>98.76%</a:t>
+                        <a:t>99.06%</a:t>
                       </a:r>
                     </a:p>
                   </a:txBody>
@@ -8636,7 +8637,7 @@
                             <a:schemeClr val="tx1"/>
                           </a:solidFill>
                         </a:rPr>
-                        <a:t>96.92%</a:t>
+                        <a:t>97.33%</a:t>
                       </a:r>
                     </a:p>
                   </a:txBody>
@@ -8654,7 +8655,7 @@
                             <a:schemeClr val="tx1"/>
                           </a:solidFill>
                         </a:rPr>
-                        <a:t>97.50%</a:t>
+                        <a:t>97.86%</a:t>
                       </a:r>
                     </a:p>
                   </a:txBody>
@@ -8779,7 +8780,7 @@
                             <a:schemeClr val="tx1"/>
                           </a:solidFill>
                         </a:rPr>
-                        <a:t>92.53%</a:t>
+                        <a:t>93.24%</a:t>
                       </a:r>
                     </a:p>
                   </a:txBody>
@@ -8813,7 +8814,7 @@
                             <a:schemeClr val="tx1"/>
                           </a:solidFill>
                         </a:rPr>
-                        <a:t>90.10%</a:t>
+                        <a:t>90.36%</a:t>
                       </a:r>
                     </a:p>
                   </a:txBody>
@@ -8831,7 +8832,7 @@
                             <a:schemeClr val="tx1"/>
                           </a:solidFill>
                         </a:rPr>
-                        <a:t>90.12%</a:t>
+                        <a:t>90.35%</a:t>
                       </a:r>
                     </a:p>
                   </a:txBody>
@@ -8940,7 +8941,7 @@
                             <a:schemeClr val="tx1"/>
                           </a:solidFill>
                         </a:rPr>
-                        <a:t>92.56%</a:t>
+                        <a:t>93.20%</a:t>
                       </a:r>
                     </a:p>
                   </a:txBody>
@@ -9042,7 +9043,7 @@
             </a:r>
             <a:r>
               <a:rPr lang="it-IT" dirty="0"/>
-              <a:t>, a causa della sua ottima accuratezza con </a:t>
+              <a:t>, con </a:t>
             </a:r>
             <a:r>
               <a:rPr lang="it-IT" b="1" dirty="0"/>
@@ -9054,7 +9055,7 @@
             </a:r>
             <a:r>
               <a:rPr lang="it-IT" b="1" dirty="0"/>
-              <a:t>, </a:t>
+              <a:t> e scaling,  </a:t>
             </a:r>
             <a:r>
               <a:rPr lang="it-IT" dirty="0"/>
@@ -9274,7 +9275,7 @@
             </a:r>
             <a:r>
               <a:rPr lang="it-IT" b="1" dirty="0"/>
-              <a:t>accuratezza del 99.04% sul test set</a:t>
+              <a:t>accuratezza del 99.24% sul test set</a:t>
             </a:r>
             <a:r>
               <a:rPr lang="it-IT" dirty="0"/>
@@ -9293,10 +9294,10 @@
       </p:sp>
       <p:pic>
         <p:nvPicPr>
-          <p:cNvPr id="11" name="Immagine 10" descr="Immagine che contiene testo, schermata, diagramma, numero&#10;&#10;Il contenuto generato dall'IA potrebbe non essere corretto.">
-            <a:extLst>
-              <a:ext uri="{FF2B5EF4-FFF2-40B4-BE49-F238E27FC236}">
-                <a16:creationId xmlns:a16="http://schemas.microsoft.com/office/drawing/2014/main" id="{BAB16015-340D-B4CA-3CCA-50744199D209}"/>
+          <p:cNvPr id="5" name="Immagine 4" descr="Immagine che contiene testo, schermata, diagramma, numero&#10;&#10;Il contenuto generato dall'IA potrebbe non essere corretto.">
+            <a:extLst>
+              <a:ext uri="{FF2B5EF4-FFF2-40B4-BE49-F238E27FC236}">
+                <a16:creationId xmlns:a16="http://schemas.microsoft.com/office/drawing/2014/main" id="{EE6D8594-3FEA-1E1D-8DFA-BC38D563234A}"/>
               </a:ext>
             </a:extLst>
           </p:cNvPr>
@@ -9313,8 +9314,8 @@
         </p:blipFill>
         <p:spPr>
           <a:xfrm>
-            <a:off x="3668198" y="2459315"/>
-            <a:ext cx="4855603" cy="3641702"/>
+            <a:off x="3965044" y="2538828"/>
+            <a:ext cx="4537551" cy="3403163"/>
           </a:xfrm>
           <a:prstGeom prst="rect">
             <a:avLst/>
@@ -9399,7 +9400,7 @@
             <a:r>
               <a:rPr lang="it-IT" sz="2400" dirty="0">
                 <a:solidFill>
-                  <a:schemeClr val="bg1"/>
+                  <a:srgbClr val="C00000"/>
                 </a:solidFill>
                 <a:latin typeface="+mj-lt"/>
                 <a:ea typeface="+mj-ea"/>
@@ -9410,7 +9411,7 @@
             <a:r>
               <a:rPr lang="it-IT" sz="2400" dirty="0" err="1">
                 <a:solidFill>
-                  <a:schemeClr val="bg1"/>
+                  <a:srgbClr val="C00000"/>
                 </a:solidFill>
                 <a:latin typeface="+mj-lt"/>
                 <a:ea typeface="+mj-ea"/>
@@ -9421,7 +9422,7 @@
             <a:r>
               <a:rPr lang="it-IT" sz="2400" dirty="0">
                 <a:solidFill>
-                  <a:schemeClr val="bg1"/>
+                  <a:srgbClr val="C00000"/>
                 </a:solidFill>
                 <a:latin typeface="+mj-lt"/>
                 <a:ea typeface="+mj-ea"/>
@@ -9434,10 +9435,10 @@
       </p:sp>
       <p:pic>
         <p:nvPicPr>
-          <p:cNvPr id="8" name="Immagine 7" descr="Immagine che contiene testo, Viso umano, schermata, persona&#10;&#10;Il contenuto generato dall'IA potrebbe non essere corretto.">
-            <a:extLst>
-              <a:ext uri="{FF2B5EF4-FFF2-40B4-BE49-F238E27FC236}">
-                <a16:creationId xmlns:a16="http://schemas.microsoft.com/office/drawing/2014/main" id="{BA78243A-D4C7-5209-7BE9-D717895F56F2}"/>
+          <p:cNvPr id="4" name="Immagine 3" descr="Immagine che contiene testo, Viso umano, persona, schermata&#10;&#10;Il contenuto generato dall'IA potrebbe non essere corretto.">
+            <a:extLst>
+              <a:ext uri="{FF2B5EF4-FFF2-40B4-BE49-F238E27FC236}">
+                <a16:creationId xmlns:a16="http://schemas.microsoft.com/office/drawing/2014/main" id="{97A16962-5A6B-6194-8FCA-66C6355C371B}"/>
               </a:ext>
             </a:extLst>
           </p:cNvPr>
@@ -9454,8 +9455,8 @@
         </p:blipFill>
         <p:spPr>
           <a:xfrm>
-            <a:off x="3932967" y="3986270"/>
-            <a:ext cx="6991846" cy="2689171"/>
+            <a:off x="1248354" y="860524"/>
+            <a:ext cx="6678039" cy="2568476"/>
           </a:xfrm>
           <a:prstGeom prst="rect">
             <a:avLst/>
@@ -9474,10 +9475,10 @@
       </p:pic>
       <p:pic>
         <p:nvPicPr>
-          <p:cNvPr id="10" name="Immagine 9" descr="Immagine che contiene schermata, Viso umano, testo, persona&#10;&#10;Il contenuto generato dall'IA potrebbe non essere corretto.">
-            <a:extLst>
-              <a:ext uri="{FF2B5EF4-FFF2-40B4-BE49-F238E27FC236}">
-                <a16:creationId xmlns:a16="http://schemas.microsoft.com/office/drawing/2014/main" id="{FA449296-B5FB-A379-AF48-94746997403B}"/>
+          <p:cNvPr id="9" name="Immagine 8" descr="Immagine che contiene Viso umano, persona, uomo, testo&#10;&#10;Il contenuto generato dall'IA potrebbe non essere corretto.">
+            <a:extLst>
+              <a:ext uri="{FF2B5EF4-FFF2-40B4-BE49-F238E27FC236}">
+                <a16:creationId xmlns:a16="http://schemas.microsoft.com/office/drawing/2014/main" id="{8F6B5B74-C422-9496-7857-5C8D6C7B5094}"/>
               </a:ext>
             </a:extLst>
           </p:cNvPr>
@@ -9494,8 +9495,8 @@
         </p:blipFill>
         <p:spPr>
           <a:xfrm>
-            <a:off x="1216661" y="998491"/>
-            <a:ext cx="6991846" cy="2689172"/>
+            <a:off x="4089220" y="3774680"/>
+            <a:ext cx="6688384" cy="2572455"/>
           </a:xfrm>
           <a:prstGeom prst="rect">
             <a:avLst/>
@@ -9718,7 +9719,7 @@
                 <a:ea typeface="+mj-ea"/>
                 <a:cs typeface="+mj-cs"/>
               </a:rPr>
-              <a:t> delle immagini, evitando così la perdita di informazioni utile.</a:t>
+              <a:t> delle immagini, evitando così la perdita di informazioni utili.</a:t>
             </a:r>
           </a:p>
           <a:p>
@@ -11608,10 +11609,10 @@
       </p:sp>
       <p:pic>
         <p:nvPicPr>
-          <p:cNvPr id="6" name="Immagine 5" descr="Immagine che contiene schermata, testo, uomo, Viso umano&#10;&#10;Il contenuto generato dall'IA potrebbe non essere corretto.">
-            <a:extLst>
-              <a:ext uri="{FF2B5EF4-FFF2-40B4-BE49-F238E27FC236}">
-                <a16:creationId xmlns:a16="http://schemas.microsoft.com/office/drawing/2014/main" id="{F08FB92E-071A-CB05-96BC-8356AA7C78D2}"/>
+          <p:cNvPr id="5" name="Immagine 4" descr="Immagine che contiene testo, Viso umano, schermata, persona&#10;&#10;Il contenuto generato dall'IA potrebbe non essere corretto.">
+            <a:extLst>
+              <a:ext uri="{FF2B5EF4-FFF2-40B4-BE49-F238E27FC236}">
+                <a16:creationId xmlns:a16="http://schemas.microsoft.com/office/drawing/2014/main" id="{9870FF3C-4B73-18A3-1D4F-3E14C5F9D556}"/>
               </a:ext>
             </a:extLst>
           </p:cNvPr>
@@ -11622,13 +11623,13 @@
         </p:nvPicPr>
         <p:blipFill>
           <a:blip r:embed="rId3"/>
-          <a:srcRect t="7696"/>
+          <a:srcRect t="6491"/>
           <a:stretch/>
         </p:blipFill>
         <p:spPr>
           <a:xfrm>
-            <a:off x="1769822" y="3282421"/>
-            <a:ext cx="8652355" cy="3071727"/>
+            <a:off x="2877276" y="3429000"/>
+            <a:ext cx="6991846" cy="2514601"/>
           </a:xfrm>
           <a:prstGeom prst="rect">
             <a:avLst/>

--- a/Assignment_2.pptx
+++ b/Assignment_2.pptx
@@ -237,7 +237,7 @@
             <a:pPr rtl="0"/>
             <a:fld id="{B300E704-4367-44E8-9590-2A22431AB6DD}" type="datetime1">
               <a:rPr lang="it-IT" smtClean="0"/>
-              <a:t>14/05/2025</a:t>
+              <a:t>15/05/2025</a:t>
             </a:fld>
             <a:endParaRPr lang="it-IT" dirty="0"/>
           </a:p>
@@ -419,7 +419,7 @@
             <a:pPr rtl="0"/>
             <a:fld id="{17F87BE5-2980-4625-A178-ED4EDB0DF570}" type="datetime1">
               <a:rPr lang="it-IT" smtClean="0"/>
-              <a:t>14/05/2025</a:t>
+              <a:t>15/05/2025</a:t>
             </a:fld>
             <a:endParaRPr lang="it-IT" dirty="0"/>
           </a:p>
@@ -7946,7 +7946,7 @@
             </a:r>
             <a:r>
               <a:rPr lang="it-IT" sz="2000" dirty="0"/>
-              <a:t> è possibile utilizzare il modello addestrato specificando il percorso di un immagine. È possibile specificate allo script </a:t>
+              <a:t> è possibile utilizzare il modello addestrato specificando il percorso di un immagine. È possibile specificare allo script </a:t>
             </a:r>
             <a:r>
               <a:rPr lang="it-IT" sz="2000" b="1" dirty="0"/>
@@ -11193,15 +11193,7 @@
             </a:r>
             <a:r>
               <a:rPr lang="it-IT" sz="1700" dirty="0"/>
-              <a:t> set, non si </a:t>
-            </a:r>
-            <a:r>
-              <a:rPr lang="it-IT" sz="1700" dirty="0" err="1"/>
-              <a:t>troverrano</a:t>
-            </a:r>
-            <a:r>
-              <a:rPr lang="it-IT" sz="1700" dirty="0"/>
-              <a:t> né nel </a:t>
+              <a:t> set, non si troveranno né nel </a:t>
             </a:r>
             <a:r>
               <a:rPr lang="it-IT" sz="1700" dirty="0" err="1"/>
